--- a/Apresentação.pptx
+++ b/Apresentação.pptx
@@ -9,6 +9,7 @@
     <p:sldId id="257" r:id="rId3"/>
     <p:sldId id="259" r:id="rId4"/>
     <p:sldId id="258" r:id="rId5"/>
+    <p:sldId id="260" r:id="rId6"/>
   </p:sldIdLst>
   <p:sldSz cx="12192000" cy="6858000"/>
   <p:notesSz cx="6858000" cy="9144000"/>
@@ -107,6 +108,11 @@
       </a:defRPr>
     </a:lvl9pPr>
   </p:defaultTextStyle>
+  <p:extLst>
+    <p:ext uri="{EFAFB233-063F-42B5-8137-9DF3F51BA10A}">
+      <p15:sldGuideLst xmlns:p15="http://schemas.microsoft.com/office/powerpoint/2012/main"/>
+    </p:ext>
+  </p:extLst>
 </p:presentation>
 </file>
 
@@ -241,7 +247,7 @@
           <a:p>
             <a:fld id="{A2C47E6B-6717-4585-B963-6FA0B8212FF2}" type="datetimeFigureOut">
               <a:rPr lang="pt-BR" smtClean="0"/>
-              <a:t>04/05/2021</a:t>
+              <a:t>11/05/2021</a:t>
             </a:fld>
             <a:endParaRPr lang="pt-BR"/>
           </a:p>
@@ -411,7 +417,7 @@
           <a:p>
             <a:fld id="{A2C47E6B-6717-4585-B963-6FA0B8212FF2}" type="datetimeFigureOut">
               <a:rPr lang="pt-BR" smtClean="0"/>
-              <a:t>04/05/2021</a:t>
+              <a:t>11/05/2021</a:t>
             </a:fld>
             <a:endParaRPr lang="pt-BR"/>
           </a:p>
@@ -591,7 +597,7 @@
           <a:p>
             <a:fld id="{A2C47E6B-6717-4585-B963-6FA0B8212FF2}" type="datetimeFigureOut">
               <a:rPr lang="pt-BR" smtClean="0"/>
-              <a:t>04/05/2021</a:t>
+              <a:t>11/05/2021</a:t>
             </a:fld>
             <a:endParaRPr lang="pt-BR"/>
           </a:p>
@@ -761,7 +767,7 @@
           <a:p>
             <a:fld id="{A2C47E6B-6717-4585-B963-6FA0B8212FF2}" type="datetimeFigureOut">
               <a:rPr lang="pt-BR" smtClean="0"/>
-              <a:t>04/05/2021</a:t>
+              <a:t>11/05/2021</a:t>
             </a:fld>
             <a:endParaRPr lang="pt-BR"/>
           </a:p>
@@ -1007,7 +1013,7 @@
           <a:p>
             <a:fld id="{A2C47E6B-6717-4585-B963-6FA0B8212FF2}" type="datetimeFigureOut">
               <a:rPr lang="pt-BR" smtClean="0"/>
-              <a:t>04/05/2021</a:t>
+              <a:t>11/05/2021</a:t>
             </a:fld>
             <a:endParaRPr lang="pt-BR"/>
           </a:p>
@@ -1239,7 +1245,7 @@
           <a:p>
             <a:fld id="{A2C47E6B-6717-4585-B963-6FA0B8212FF2}" type="datetimeFigureOut">
               <a:rPr lang="pt-BR" smtClean="0"/>
-              <a:t>04/05/2021</a:t>
+              <a:t>11/05/2021</a:t>
             </a:fld>
             <a:endParaRPr lang="pt-BR"/>
           </a:p>
@@ -1606,7 +1612,7 @@
           <a:p>
             <a:fld id="{A2C47E6B-6717-4585-B963-6FA0B8212FF2}" type="datetimeFigureOut">
               <a:rPr lang="pt-BR" smtClean="0"/>
-              <a:t>04/05/2021</a:t>
+              <a:t>11/05/2021</a:t>
             </a:fld>
             <a:endParaRPr lang="pt-BR"/>
           </a:p>
@@ -1724,7 +1730,7 @@
           <a:p>
             <a:fld id="{A2C47E6B-6717-4585-B963-6FA0B8212FF2}" type="datetimeFigureOut">
               <a:rPr lang="pt-BR" smtClean="0"/>
-              <a:t>04/05/2021</a:t>
+              <a:t>11/05/2021</a:t>
             </a:fld>
             <a:endParaRPr lang="pt-BR"/>
           </a:p>
@@ -1819,7 +1825,7 @@
           <a:p>
             <a:fld id="{A2C47E6B-6717-4585-B963-6FA0B8212FF2}" type="datetimeFigureOut">
               <a:rPr lang="pt-BR" smtClean="0"/>
-              <a:t>04/05/2021</a:t>
+              <a:t>11/05/2021</a:t>
             </a:fld>
             <a:endParaRPr lang="pt-BR"/>
           </a:p>
@@ -2096,7 +2102,7 @@
           <a:p>
             <a:fld id="{A2C47E6B-6717-4585-B963-6FA0B8212FF2}" type="datetimeFigureOut">
               <a:rPr lang="pt-BR" smtClean="0"/>
-              <a:t>04/05/2021</a:t>
+              <a:t>11/05/2021</a:t>
             </a:fld>
             <a:endParaRPr lang="pt-BR"/>
           </a:p>
@@ -2349,7 +2355,7 @@
           <a:p>
             <a:fld id="{A2C47E6B-6717-4585-B963-6FA0B8212FF2}" type="datetimeFigureOut">
               <a:rPr lang="pt-BR" smtClean="0"/>
-              <a:t>04/05/2021</a:t>
+              <a:t>11/05/2021</a:t>
             </a:fld>
             <a:endParaRPr lang="pt-BR"/>
           </a:p>
@@ -2562,7 +2568,7 @@
           <a:p>
             <a:fld id="{A2C47E6B-6717-4585-B963-6FA0B8212FF2}" type="datetimeFigureOut">
               <a:rPr lang="pt-BR" smtClean="0"/>
-              <a:t>04/05/2021</a:t>
+              <a:t>11/05/2021</a:t>
             </a:fld>
             <a:endParaRPr lang="pt-BR"/>
           </a:p>
@@ -3624,6 +3630,277 @@
 </p:sld>
 </file>
 
+<file path=ppt/slides/slide5.xml><?xml version="1.0" encoding="utf-8"?>
+<p:sld xmlns:a="http://schemas.openxmlformats.org/drawingml/2006/main" xmlns:r="http://schemas.openxmlformats.org/officeDocument/2006/relationships" xmlns:p="http://schemas.openxmlformats.org/presentationml/2006/main">
+  <p:cSld>
+    <p:spTree>
+      <p:nvGrpSpPr>
+        <p:cNvPr id="1" name=""/>
+        <p:cNvGrpSpPr/>
+        <p:nvPr/>
+      </p:nvGrpSpPr>
+      <p:grpSpPr>
+        <a:xfrm>
+          <a:off x="0" y="0"/>
+          <a:ext cx="0" cy="0"/>
+          <a:chOff x="0" y="0"/>
+          <a:chExt cx="0" cy="0"/>
+        </a:xfrm>
+      </p:grpSpPr>
+      <p:pic>
+        <p:nvPicPr>
+          <p:cNvPr id="7" name="Imagem 6"/>
+          <p:cNvPicPr>
+            <a:picLocks noChangeAspect="1"/>
+          </p:cNvPicPr>
+          <p:nvPr/>
+        </p:nvPicPr>
+        <p:blipFill>
+          <a:blip r:embed="rId2">
+            <a:extLst>
+              <a:ext uri="{28A0092B-C50C-407E-A947-70E740481C1C}">
+                <a14:useLocalDpi xmlns:a14="http://schemas.microsoft.com/office/drawing/2010/main" val="0"/>
+              </a:ext>
+            </a:extLst>
+          </a:blip>
+          <a:stretch>
+            <a:fillRect/>
+          </a:stretch>
+        </p:blipFill>
+        <p:spPr>
+          <a:xfrm>
+            <a:off x="0" y="0"/>
+            <a:ext cx="12192000" cy="6858000"/>
+          </a:xfrm>
+          <a:prstGeom prst="rect">
+            <a:avLst/>
+          </a:prstGeom>
+        </p:spPr>
+      </p:pic>
+      <p:sp>
+        <p:nvSpPr>
+          <p:cNvPr id="4" name="CaixaDeTexto 3"/>
+          <p:cNvSpPr txBox="1"/>
+          <p:nvPr/>
+        </p:nvSpPr>
+        <p:spPr>
+          <a:xfrm>
+            <a:off x="3958934" y="627581"/>
+            <a:ext cx="5247412" cy="2646878"/>
+          </a:xfrm>
+          <a:prstGeom prst="rect">
+            <a:avLst/>
+          </a:prstGeom>
+          <a:noFill/>
+        </p:spPr>
+        <p:txBody>
+          <a:bodyPr wrap="square" rtlCol="0">
+            <a:spAutoFit/>
+          </a:bodyPr>
+          <a:lstStyle/>
+          <a:p>
+            <a:r>
+              <a:rPr lang="pt-BR" sz="16600" dirty="0" smtClean="0">
+                <a:solidFill>
+                  <a:schemeClr val="bg1"/>
+                </a:solidFill>
+                <a:latin typeface="Monotype Corsiva" panose="03010101010201010101" pitchFamily="66" charset="0"/>
+              </a:rPr>
+              <a:t>FIM</a:t>
+            </a:r>
+            <a:endParaRPr lang="pt-BR" sz="16600" dirty="0">
+              <a:solidFill>
+                <a:schemeClr val="bg1"/>
+              </a:solidFill>
+              <a:latin typeface="Monotype Corsiva" panose="03010101010201010101" pitchFamily="66" charset="0"/>
+            </a:endParaRPr>
+          </a:p>
+        </p:txBody>
+      </p:sp>
+      <p:sp>
+        <p:nvSpPr>
+          <p:cNvPr id="5" name="CaixaDeTexto 4"/>
+          <p:cNvSpPr txBox="1"/>
+          <p:nvPr/>
+        </p:nvSpPr>
+        <p:spPr>
+          <a:xfrm>
+            <a:off x="4592783" y="3003957"/>
+            <a:ext cx="5174672" cy="461665"/>
+          </a:xfrm>
+          <a:prstGeom prst="rect">
+            <a:avLst/>
+          </a:prstGeom>
+          <a:noFill/>
+        </p:spPr>
+        <p:txBody>
+          <a:bodyPr wrap="square" rtlCol="0">
+            <a:spAutoFit/>
+          </a:bodyPr>
+          <a:lstStyle/>
+          <a:p>
+            <a:r>
+              <a:rPr lang="pt-BR" sz="2400" dirty="0" smtClean="0">
+                <a:solidFill>
+                  <a:schemeClr val="bg1"/>
+                </a:solidFill>
+              </a:rPr>
+              <a:t>Obrigada pela atenção</a:t>
+            </a:r>
+            <a:endParaRPr lang="pt-BR" sz="2400" dirty="0">
+              <a:solidFill>
+                <a:schemeClr val="bg1"/>
+              </a:solidFill>
+            </a:endParaRPr>
+          </a:p>
+        </p:txBody>
+      </p:sp>
+    </p:spTree>
+    <p:extLst>
+      <p:ext uri="{BB962C8B-B14F-4D97-AF65-F5344CB8AC3E}">
+        <p14:creationId xmlns:p14="http://schemas.microsoft.com/office/powerpoint/2010/main" val="147948342"/>
+      </p:ext>
+    </p:extLst>
+  </p:cSld>
+  <p:clrMapOvr>
+    <a:masterClrMapping/>
+  </p:clrMapOvr>
+  <mc:AlternateContent xmlns:mc="http://schemas.openxmlformats.org/markup-compatibility/2006">
+    <mc:Choice xmlns:p14="http://schemas.microsoft.com/office/powerpoint/2010/main" Requires="p14">
+      <p:transition spd="slow" p14:dur="2000"/>
+    </mc:Choice>
+    <mc:Fallback>
+      <p:transition spd="slow"/>
+    </mc:Fallback>
+  </mc:AlternateContent>
+  <p:timing>
+    <p:tnLst>
+      <p:par>
+        <p:cTn id="1" dur="indefinite" restart="never" nodeType="tmRoot">
+          <p:childTnLst>
+            <p:seq concurrent="1" nextAc="seek">
+              <p:cTn id="2" dur="indefinite" nodeType="mainSeq">
+                <p:childTnLst>
+                  <p:par>
+                    <p:cTn id="3" fill="hold">
+                      <p:stCondLst>
+                        <p:cond delay="indefinite"/>
+                        <p:cond evt="onBegin" delay="0">
+                          <p:tn val="2"/>
+                        </p:cond>
+                      </p:stCondLst>
+                      <p:childTnLst>
+                        <p:par>
+                          <p:cTn id="4" fill="hold">
+                            <p:stCondLst>
+                              <p:cond delay="0"/>
+                            </p:stCondLst>
+                            <p:childTnLst>
+                              <p:par>
+                                <p:cTn id="5" presetID="10" presetClass="entr" presetSubtype="0" fill="hold" grpId="0" nodeType="withEffect">
+                                  <p:stCondLst>
+                                    <p:cond delay="0"/>
+                                  </p:stCondLst>
+                                  <p:childTnLst>
+                                    <p:set>
+                                      <p:cBhvr>
+                                        <p:cTn id="6" dur="1" fill="hold">
+                                          <p:stCondLst>
+                                            <p:cond delay="0"/>
+                                          </p:stCondLst>
+                                        </p:cTn>
+                                        <p:tgtEl>
+                                          <p:spTgt spid="5"/>
+                                        </p:tgtEl>
+                                        <p:attrNameLst>
+                                          <p:attrName>style.visibility</p:attrName>
+                                        </p:attrNameLst>
+                                      </p:cBhvr>
+                                      <p:to>
+                                        <p:strVal val="visible"/>
+                                      </p:to>
+                                    </p:set>
+                                    <p:animEffect transition="in" filter="fade">
+                                      <p:cBhvr>
+                                        <p:cTn id="7" dur="500"/>
+                                        <p:tgtEl>
+                                          <p:spTgt spid="5"/>
+                                        </p:tgtEl>
+                                      </p:cBhvr>
+                                    </p:animEffect>
+                                  </p:childTnLst>
+                                </p:cTn>
+                              </p:par>
+                              <p:par>
+                                <p:cTn id="8" presetID="10" presetClass="entr" presetSubtype="0" fill="hold" grpId="0" nodeType="withEffect">
+                                  <p:stCondLst>
+                                    <p:cond delay="0"/>
+                                  </p:stCondLst>
+                                  <p:childTnLst>
+                                    <p:set>
+                                      <p:cBhvr>
+                                        <p:cTn id="9" dur="1" fill="hold">
+                                          <p:stCondLst>
+                                            <p:cond delay="0"/>
+                                          </p:stCondLst>
+                                        </p:cTn>
+                                        <p:tgtEl>
+                                          <p:spTgt spid="4"/>
+                                        </p:tgtEl>
+                                        <p:attrNameLst>
+                                          <p:attrName>style.visibility</p:attrName>
+                                        </p:attrNameLst>
+                                      </p:cBhvr>
+                                      <p:to>
+                                        <p:strVal val="visible"/>
+                                      </p:to>
+                                    </p:set>
+                                    <p:animEffect transition="in" filter="fade">
+                                      <p:cBhvr>
+                                        <p:cTn id="10" dur="500"/>
+                                        <p:tgtEl>
+                                          <p:spTgt spid="4"/>
+                                        </p:tgtEl>
+                                      </p:cBhvr>
+                                    </p:animEffect>
+                                  </p:childTnLst>
+                                </p:cTn>
+                              </p:par>
+                            </p:childTnLst>
+                          </p:cTn>
+                        </p:par>
+                      </p:childTnLst>
+                    </p:cTn>
+                  </p:par>
+                </p:childTnLst>
+              </p:cTn>
+              <p:prevCondLst>
+                <p:cond evt="onPrev" delay="0">
+                  <p:tgtEl>
+                    <p:sldTgt/>
+                  </p:tgtEl>
+                </p:cond>
+              </p:prevCondLst>
+              <p:nextCondLst>
+                <p:cond evt="onNext" delay="0">
+                  <p:tgtEl>
+                    <p:sldTgt/>
+                  </p:tgtEl>
+                </p:cond>
+              </p:nextCondLst>
+            </p:seq>
+          </p:childTnLst>
+        </p:cTn>
+      </p:par>
+    </p:tnLst>
+    <p:bldLst>
+      <p:bldP spid="4" grpId="0"/>
+      <p:bldP spid="5" grpId="0"/>
+    </p:bldLst>
+  </p:timing>
+</p:sld>
+</file>
+
 <file path=ppt/theme/theme1.xml><?xml version="1.0" encoding="utf-8"?>
 <a:theme xmlns:a="http://schemas.openxmlformats.org/drawingml/2006/main" name="Tema do Office">
   <a:themeElements>
